--- a/20180110.pptx
+++ b/20180110.pptx
@@ -8941,10 +8941,10 @@
       </p:grpSpPr>
       <p:pic>
         <p:nvPicPr>
-          <p:cNvPr id="3" name="Image 2">
+          <p:cNvPr id="6" name="Image 5">
             <a:extLst>
               <a:ext uri="{FF2B5EF4-FFF2-40B4-BE49-F238E27FC236}">
-                <a16:creationId xmlns:a16="http://schemas.microsoft.com/office/drawing/2014/main" id="{0278AC5D-313A-4741-93D8-0D4678E0DCD0}"/>
+                <a16:creationId xmlns:a16="http://schemas.microsoft.com/office/drawing/2014/main" id="{53F70657-85AF-4271-9B97-27CDB9D03F91}"/>
               </a:ext>
             </a:extLst>
           </p:cNvPr>
@@ -8967,8 +8967,8 @@
         </p:blipFill>
         <p:spPr>
           <a:xfrm>
-            <a:off x="394492" y="199574"/>
-            <a:ext cx="11403016" cy="6458851"/>
+            <a:off x="432597" y="209100"/>
+            <a:ext cx="11326806" cy="6439799"/>
           </a:xfrm>
           <a:prstGeom prst="rect">
             <a:avLst/>
